--- a/2 - First 20 Elements/L03 Reading Element Symbols/The First 20 Elements Part 1.pptx
+++ b/2 - First 20 Elements/L03 Reading Element Symbols/The First 20 Elements Part 1.pptx
@@ -219,7 +219,7 @@
           <a:p>
             <a:fld id="{2B33E1E4-7C2F-48D3-AD88-7714C911BD08}" type="datetimeFigureOut">
               <a:rPr lang="en-US" smtClean="0"/>
-              <a:t>3/8/2020</a:t>
+              <a:t>3/10/2020</a:t>
             </a:fld>
             <a:endParaRPr lang="en-CA"/>
           </a:p>
@@ -474,7 +474,7 @@
             <a:fld id="{1D8BD707-D9CF-40AE-B4C6-C98DA3205C09}" type="datetimeFigureOut">
               <a:rPr lang="en-US" smtClean="0"/>
               <a:pPr/>
-              <a:t>3/8/2020</a:t>
+              <a:t>3/10/2020</a:t>
             </a:fld>
             <a:endParaRPr lang="en-US"/>
           </a:p>
@@ -640,7 +640,7 @@
             <a:fld id="{1D8BD707-D9CF-40AE-B4C6-C98DA3205C09}" type="datetimeFigureOut">
               <a:rPr lang="en-US" smtClean="0"/>
               <a:pPr/>
-              <a:t>3/8/2020</a:t>
+              <a:t>3/10/2020</a:t>
             </a:fld>
             <a:endParaRPr lang="en-US"/>
           </a:p>
@@ -816,7 +816,7 @@
             <a:fld id="{1D8BD707-D9CF-40AE-B4C6-C98DA3205C09}" type="datetimeFigureOut">
               <a:rPr lang="en-US" smtClean="0"/>
               <a:pPr/>
-              <a:t>3/8/2020</a:t>
+              <a:t>3/10/2020</a:t>
             </a:fld>
             <a:endParaRPr lang="en-US"/>
           </a:p>
@@ -982,7 +982,7 @@
             <a:fld id="{1D8BD707-D9CF-40AE-B4C6-C98DA3205C09}" type="datetimeFigureOut">
               <a:rPr lang="en-US" smtClean="0"/>
               <a:pPr/>
-              <a:t>3/8/2020</a:t>
+              <a:t>3/10/2020</a:t>
             </a:fld>
             <a:endParaRPr lang="en-US"/>
           </a:p>
@@ -1225,7 +1225,7 @@
             <a:fld id="{1D8BD707-D9CF-40AE-B4C6-C98DA3205C09}" type="datetimeFigureOut">
               <a:rPr lang="en-US" smtClean="0"/>
               <a:pPr/>
-              <a:t>3/8/2020</a:t>
+              <a:t>3/10/2020</a:t>
             </a:fld>
             <a:endParaRPr lang="en-US"/>
           </a:p>
@@ -1490,7 +1490,7 @@
             <a:fld id="{1D8BD707-D9CF-40AE-B4C6-C98DA3205C09}" type="datetimeFigureOut">
               <a:rPr lang="en-US" smtClean="0"/>
               <a:pPr/>
-              <a:t>3/8/2020</a:t>
+              <a:t>3/10/2020</a:t>
             </a:fld>
             <a:endParaRPr lang="en-US"/>
           </a:p>
@@ -1869,7 +1869,7 @@
             <a:fld id="{1D8BD707-D9CF-40AE-B4C6-C98DA3205C09}" type="datetimeFigureOut">
               <a:rPr lang="en-US" smtClean="0"/>
               <a:pPr/>
-              <a:t>3/8/2020</a:t>
+              <a:t>3/10/2020</a:t>
             </a:fld>
             <a:endParaRPr lang="en-US"/>
           </a:p>
@@ -2020,7 +2020,7 @@
             <a:fld id="{1D8BD707-D9CF-40AE-B4C6-C98DA3205C09}" type="datetimeFigureOut">
               <a:rPr lang="en-US" smtClean="0"/>
               <a:pPr/>
-              <a:t>3/8/2020</a:t>
+              <a:t>3/10/2020</a:t>
             </a:fld>
             <a:endParaRPr lang="en-US"/>
           </a:p>
@@ -2112,7 +2112,7 @@
             <a:fld id="{1D8BD707-D9CF-40AE-B4C6-C98DA3205C09}" type="datetimeFigureOut">
               <a:rPr lang="en-US" smtClean="0"/>
               <a:pPr/>
-              <a:t>3/8/2020</a:t>
+              <a:t>3/10/2020</a:t>
             </a:fld>
             <a:endParaRPr lang="en-US"/>
           </a:p>
@@ -2374,7 +2374,7 @@
             <a:fld id="{1D8BD707-D9CF-40AE-B4C6-C98DA3205C09}" type="datetimeFigureOut">
               <a:rPr lang="en-US" smtClean="0"/>
               <a:pPr/>
-              <a:t>3/8/2020</a:t>
+              <a:t>3/10/2020</a:t>
             </a:fld>
             <a:endParaRPr lang="en-US"/>
           </a:p>
@@ -2663,7 +2663,7 @@
             <a:fld id="{1D8BD707-D9CF-40AE-B4C6-C98DA3205C09}" type="datetimeFigureOut">
               <a:rPr lang="en-US" smtClean="0"/>
               <a:pPr/>
-              <a:t>3/8/2020</a:t>
+              <a:t>3/10/2020</a:t>
             </a:fld>
             <a:endParaRPr lang="en-US"/>
           </a:p>
@@ -3434,7 +3434,7 @@
             <a:fld id="{1D8BD707-D9CF-40AE-B4C6-C98DA3205C09}" type="datetimeFigureOut">
               <a:rPr lang="en-US" smtClean="0"/>
               <a:pPr/>
-              <a:t>3/8/2020</a:t>
+              <a:t>3/10/2020</a:t>
             </a:fld>
             <a:endParaRPr lang="en-US"/>
           </a:p>
@@ -4102,6 +4102,13 @@
   <p:clrMapOvr>
     <a:masterClrMapping/>
   </p:clrMapOvr>
+  <p:timing>
+    <p:tnLst>
+      <p:par>
+        <p:cTn id="1" dur="indefinite" restart="never" nodeType="tmRoot"/>
+      </p:par>
+    </p:tnLst>
+  </p:timing>
 </p:sld>
 </file>
 
@@ -4565,7 +4572,31 @@
           <a:p>
             <a:r>
               <a:rPr lang="en-US" dirty="0"/>
-              <a:t>All of the matter in the universe (what we call “stuff”) is made of just about 100 different kinds of atoms.</a:t>
+              <a:t>All of the matter in the universe (what we call “stuff”) is made of just about </a:t>
+            </a:r>
+            <a:r>
+              <a:rPr lang="en-US" dirty="0">
+                <a:solidFill>
+                  <a:srgbClr val="FF0000"/>
+                </a:solidFill>
+              </a:rPr>
+              <a:t>100</a:t>
+            </a:r>
+            <a:r>
+              <a:rPr lang="en-US" dirty="0"/>
+              <a:t> different kinds of </a:t>
+            </a:r>
+            <a:r>
+              <a:rPr lang="en-US" dirty="0">
+                <a:solidFill>
+                  <a:srgbClr val="FF0000"/>
+                </a:solidFill>
+              </a:rPr>
+              <a:t>atoms</a:t>
+            </a:r>
+            <a:r>
+              <a:rPr lang="en-US" dirty="0"/>
+              <a:t>.</a:t>
             </a:r>
           </a:p>
           <a:p>
@@ -4574,7 +4605,19 @@
           <a:p>
             <a:r>
               <a:rPr lang="en-US" dirty="0"/>
-              <a:t>Everything in your world is made up of simple combinations of these basic building blocks called atoms.</a:t>
+              <a:t>Everything in your world is made up of simple </a:t>
+            </a:r>
+            <a:r>
+              <a:rPr lang="en-US" dirty="0">
+                <a:solidFill>
+                  <a:srgbClr val="FF0000"/>
+                </a:solidFill>
+              </a:rPr>
+              <a:t>combinations</a:t>
+            </a:r>
+            <a:r>
+              <a:rPr lang="en-US" dirty="0"/>
+              <a:t> of these basic building blocks called atoms.</a:t>
             </a:r>
           </a:p>
           <a:p>
@@ -4583,7 +4626,31 @@
           <a:p>
             <a:r>
               <a:rPr lang="en-US" dirty="0"/>
-              <a:t>Chemistry is the study of how these atoms combine and the products they create.</a:t>
+              <a:t>Chemistry is the study of how these atoms </a:t>
+            </a:r>
+            <a:r>
+              <a:rPr lang="en-US" dirty="0">
+                <a:solidFill>
+                  <a:srgbClr val="FF0000"/>
+                </a:solidFill>
+              </a:rPr>
+              <a:t>combine</a:t>
+            </a:r>
+            <a:r>
+              <a:rPr lang="en-US" dirty="0"/>
+              <a:t> and the products they </a:t>
+            </a:r>
+            <a:r>
+              <a:rPr lang="en-US" dirty="0">
+                <a:solidFill>
+                  <a:srgbClr val="FF0000"/>
+                </a:solidFill>
+              </a:rPr>
+              <a:t>create</a:t>
+            </a:r>
+            <a:r>
+              <a:rPr lang="en-US" dirty="0"/>
+              <a:t>.</a:t>
             </a:r>
           </a:p>
         </p:txBody>
@@ -4593,6 +4660,13 @@
   <p:clrMapOvr>
     <a:masterClrMapping/>
   </p:clrMapOvr>
+  <p:timing>
+    <p:tnLst>
+      <p:par>
+        <p:cTn id="1" dur="indefinite" restart="never" nodeType="tmRoot"/>
+      </p:par>
+    </p:tnLst>
+  </p:timing>
 </p:sld>
 </file>
 
@@ -4828,6 +4902,13 @@
   <p:clrMapOvr>
     <a:masterClrMapping/>
   </p:clrMapOvr>
+  <p:timing>
+    <p:tnLst>
+      <p:par>
+        <p:cTn id="1" dur="indefinite" restart="never" nodeType="tmRoot"/>
+      </p:par>
+    </p:tnLst>
+  </p:timing>
 </p:sld>
 </file>
 
